--- a/Gulf_Coast_R/Rmarkdown_pres/Intro_to_RMarkdown_43.pptx
+++ b/Gulf_Coast_R/Rmarkdown_pres/Intro_to_RMarkdown_43.pptx
@@ -255,7 +255,7 @@
           <a:p>
             <a:fld id="{2821751A-BA59-4B7E-969C-D77BEC67ADCA}" type="datetimeFigureOut">
               <a:rPr lang="en-US" smtClean="0"/>
-              <a:t>4/24/2019</a:t>
+              <a:t>4/25/2019</a:t>
             </a:fld>
             <a:endParaRPr lang="en-US"/>
           </a:p>
@@ -425,7 +425,7 @@
           <a:p>
             <a:fld id="{2821751A-BA59-4B7E-969C-D77BEC67ADCA}" type="datetimeFigureOut">
               <a:rPr lang="en-US" smtClean="0"/>
-              <a:t>4/24/2019</a:t>
+              <a:t>4/25/2019</a:t>
             </a:fld>
             <a:endParaRPr lang="en-US"/>
           </a:p>
@@ -605,7 +605,7 @@
           <a:p>
             <a:fld id="{2821751A-BA59-4B7E-969C-D77BEC67ADCA}" type="datetimeFigureOut">
               <a:rPr lang="en-US" smtClean="0"/>
-              <a:t>4/24/2019</a:t>
+              <a:t>4/25/2019</a:t>
             </a:fld>
             <a:endParaRPr lang="en-US"/>
           </a:p>
@@ -775,7 +775,7 @@
           <a:p>
             <a:fld id="{2821751A-BA59-4B7E-969C-D77BEC67ADCA}" type="datetimeFigureOut">
               <a:rPr lang="en-US" smtClean="0"/>
-              <a:t>4/24/2019</a:t>
+              <a:t>4/25/2019</a:t>
             </a:fld>
             <a:endParaRPr lang="en-US"/>
           </a:p>
@@ -1019,7 +1019,7 @@
           <a:p>
             <a:fld id="{2821751A-BA59-4B7E-969C-D77BEC67ADCA}" type="datetimeFigureOut">
               <a:rPr lang="en-US" smtClean="0"/>
-              <a:t>4/24/2019</a:t>
+              <a:t>4/25/2019</a:t>
             </a:fld>
             <a:endParaRPr lang="en-US"/>
           </a:p>
@@ -1251,7 +1251,7 @@
           <a:p>
             <a:fld id="{2821751A-BA59-4B7E-969C-D77BEC67ADCA}" type="datetimeFigureOut">
               <a:rPr lang="en-US" smtClean="0"/>
-              <a:t>4/24/2019</a:t>
+              <a:t>4/25/2019</a:t>
             </a:fld>
             <a:endParaRPr lang="en-US"/>
           </a:p>
@@ -1618,7 +1618,7 @@
           <a:p>
             <a:fld id="{2821751A-BA59-4B7E-969C-D77BEC67ADCA}" type="datetimeFigureOut">
               <a:rPr lang="en-US" smtClean="0"/>
-              <a:t>4/24/2019</a:t>
+              <a:t>4/25/2019</a:t>
             </a:fld>
             <a:endParaRPr lang="en-US"/>
           </a:p>
@@ -1736,7 +1736,7 @@
           <a:p>
             <a:fld id="{2821751A-BA59-4B7E-969C-D77BEC67ADCA}" type="datetimeFigureOut">
               <a:rPr lang="en-US" smtClean="0"/>
-              <a:t>4/24/2019</a:t>
+              <a:t>4/25/2019</a:t>
             </a:fld>
             <a:endParaRPr lang="en-US"/>
           </a:p>
@@ -1831,7 +1831,7 @@
           <a:p>
             <a:fld id="{2821751A-BA59-4B7E-969C-D77BEC67ADCA}" type="datetimeFigureOut">
               <a:rPr lang="en-US" smtClean="0"/>
-              <a:t>4/24/2019</a:t>
+              <a:t>4/25/2019</a:t>
             </a:fld>
             <a:endParaRPr lang="en-US"/>
           </a:p>
@@ -2108,7 +2108,7 @@
           <a:p>
             <a:fld id="{2821751A-BA59-4B7E-969C-D77BEC67ADCA}" type="datetimeFigureOut">
               <a:rPr lang="en-US" smtClean="0"/>
-              <a:t>4/24/2019</a:t>
+              <a:t>4/25/2019</a:t>
             </a:fld>
             <a:endParaRPr lang="en-US"/>
           </a:p>
@@ -2365,7 +2365,7 @@
           <a:p>
             <a:fld id="{2821751A-BA59-4B7E-969C-D77BEC67ADCA}" type="datetimeFigureOut">
               <a:rPr lang="en-US" smtClean="0"/>
-              <a:t>4/24/2019</a:t>
+              <a:t>4/25/2019</a:t>
             </a:fld>
             <a:endParaRPr lang="en-US"/>
           </a:p>
@@ -2578,7 +2578,7 @@
           <a:p>
             <a:fld id="{2821751A-BA59-4B7E-969C-D77BEC67ADCA}" type="datetimeFigureOut">
               <a:rPr lang="en-US" smtClean="0"/>
-              <a:t>4/24/2019</a:t>
+              <a:t>4/25/2019</a:t>
             </a:fld>
             <a:endParaRPr lang="en-US"/>
           </a:p>
@@ -3611,12 +3611,6 @@
               </a:rPr>
               <a:t>Format the text </a:t>
             </a:r>
-            <a:r>
-              <a:rPr lang="en-US" sz="3600" dirty="0" smtClean="0">
-                <a:latin typeface="Bell MT" panose="02020503060305020303" pitchFamily="18" charset="0"/>
-              </a:rPr>
-              <a:t/>
-            </a:r>
             <a:br>
               <a:rPr lang="en-US" sz="3600" dirty="0" smtClean="0">
                 <a:latin typeface="Bell MT" panose="02020503060305020303" pitchFamily="18" charset="0"/>
@@ -3626,13 +3620,7 @@
               <a:rPr lang="en-US" sz="3600" dirty="0" smtClean="0">
                 <a:latin typeface="Bell MT" panose="02020503060305020303" pitchFamily="18" charset="0"/>
               </a:rPr>
-              <a:t>using </a:t>
-            </a:r>
-            <a:r>
-              <a:rPr lang="en-US" sz="3600" dirty="0" smtClean="0">
-                <a:latin typeface="Bell MT" panose="02020503060305020303" pitchFamily="18" charset="0"/>
-              </a:rPr>
-              <a:t>markup language</a:t>
+              <a:t>using markup language</a:t>
             </a:r>
             <a:endParaRPr lang="en-US" sz="3600" dirty="0">
               <a:latin typeface="Bell MT" panose="02020503060305020303" pitchFamily="18" charset="0"/>
@@ -3766,9 +3754,6 @@
               </a:rPr>
               <a:t>Level 2 Header</a:t>
             </a:r>
-            <a:endParaRPr lang="en-US" sz="2400" dirty="0">
-              <a:latin typeface="Bell MT" panose="02020503060305020303" pitchFamily="18" charset="0"/>
-            </a:endParaRPr>
           </a:p>
         </p:txBody>
       </p:sp>
@@ -3841,9 +3826,6 @@
               </a:rPr>
               <a:t>Bold</a:t>
             </a:r>
-            <a:endParaRPr lang="en-US" b="1" dirty="0">
-              <a:latin typeface="Bell MT" panose="02020503060305020303" pitchFamily="18" charset="0"/>
-            </a:endParaRPr>
           </a:p>
         </p:txBody>
       </p:sp>
@@ -4126,14 +4108,20 @@
               <a:rPr lang="en-US" sz="2400" dirty="0" smtClean="0">
                 <a:latin typeface="Bell MT" panose="02020503060305020303" pitchFamily="18" charset="0"/>
               </a:rPr>
-              <a:t>Pretty everything else is an extension of that!</a:t>
-            </a:r>
-          </a:p>
-          <a:p>
+              <a:t>Pretty much </a:t>
+            </a:r>
             <a:r>
               <a:rPr lang="en-US" sz="2400" dirty="0" smtClean="0">
                 <a:latin typeface="Bell MT" panose="02020503060305020303" pitchFamily="18" charset="0"/>
               </a:rPr>
+              <a:t>everything else is an extension of that!</a:t>
+            </a:r>
+          </a:p>
+          <a:p>
+            <a:r>
+              <a:rPr lang="en-US" sz="2400" dirty="0" smtClean="0">
+                <a:latin typeface="Bell MT" panose="02020503060305020303" pitchFamily="18" charset="0"/>
+              </a:rPr>
               <a:t>Start a document</a:t>
             </a:r>
           </a:p>
@@ -4221,17 +4209,8 @@
               <a:rPr lang="en-US" sz="2000" dirty="0" smtClean="0">
                 <a:latin typeface="Bell MT" panose="02020503060305020303" pitchFamily="18" charset="0"/>
               </a:rPr>
-              <a:t>Or ask a friend! (R community &gt; </a:t>
-            </a:r>
-            <a:r>
-              <a:rPr lang="en-US" sz="2000" smtClean="0">
-                <a:latin typeface="Bell MT" panose="02020503060305020303" pitchFamily="18" charset="0"/>
-              </a:rPr>
-              <a:t>general public)</a:t>
-            </a:r>
-            <a:endParaRPr lang="en-US" sz="2000" dirty="0" smtClean="0">
-              <a:latin typeface="Bell MT" panose="02020503060305020303" pitchFamily="18" charset="0"/>
-            </a:endParaRPr>
+              <a:t>Or ask a friend! (R community &gt; general public)</a:t>
+            </a:r>
           </a:p>
           <a:p>
             <a:r>
@@ -4877,9 +4856,6 @@
               </a:rPr>
               <a:t>Input</a:t>
             </a:r>
-            <a:endParaRPr lang="en-US" sz="2400" dirty="0">
-              <a:latin typeface="Bell MT" panose="02020503060305020303" pitchFamily="18" charset="0"/>
-            </a:endParaRPr>
           </a:p>
         </p:txBody>
       </p:sp>
@@ -4911,9 +4887,6 @@
               </a:rPr>
               <a:t>Output</a:t>
             </a:r>
-            <a:endParaRPr lang="en-US" sz="2400" dirty="0">
-              <a:latin typeface="Bell MT" panose="02020503060305020303" pitchFamily="18" charset="0"/>
-            </a:endParaRPr>
           </a:p>
         </p:txBody>
       </p:sp>
@@ -5173,9 +5146,6 @@
               </a:rPr>
               <a:t>Javascript presentation created in rmarkdown.</a:t>
             </a:r>
-            <a:endParaRPr lang="en-US" sz="1200" dirty="0">
-              <a:latin typeface="Bell MT" panose="02020503060305020303" pitchFamily="18" charset="0"/>
-            </a:endParaRPr>
           </a:p>
         </p:txBody>
       </p:sp>
